--- a/Labs/week3.pptx
+++ b/Labs/week3.pptx
@@ -4038,7 +4038,7 @@
           <a:p>
             <a:r>
               <a:rPr lang="en-US" altLang="zh-CN" sz="2400" dirty="0" err="1" smtClean="0"/>
-              <a:t>TodoItem</a:t>
+              <a:t>ListItem</a:t>
             </a:r>
             <a:r>
               <a:rPr lang="zh-CN" altLang="en-US" sz="2400" dirty="0" smtClean="0"/>
